--- a/presentations/DevDay2019_Java_intro.pptx
+++ b/presentations/DevDay2019_Java_intro.pptx
@@ -252,7 +252,7 @@
           <a:p>
             <a:fld id="{D426F103-508E-467C-AF53-B35FDC2F36C0}" type="datetimeFigureOut">
               <a:rPr lang="en-US" smtClean="0"/>
-              <a:t>01-Nov-2019</a:t>
+              <a:t>04-Nov-2019</a:t>
             </a:fld>
             <a:endParaRPr lang="en-US"/>
           </a:p>
@@ -429,7 +429,7 @@
           <a:p>
             <a:fld id="{A90D6CB4-478E-4505-A839-A5849C2F988C}" type="datetimeFigureOut">
               <a:rPr lang="en-US" smtClean="0"/>
-              <a:t>01-Nov-2019</a:t>
+              <a:t>04-Nov-2019</a:t>
             </a:fld>
             <a:endParaRPr lang="en-US"/>
           </a:p>
@@ -792,6 +792,94 @@
             </a:endParaRPr>
           </a:p>
           <a:p>
+            <a:pPr marL="0" marR="0" indent="0" algn="l" defTabSz="914400" rtl="0" eaLnBrk="1" fontAlgn="auto" latinLnBrk="0" hangingPunct="1">
+              <a:lnSpc>
+                <a:spcPct val="100000"/>
+              </a:lnSpc>
+              <a:spcBef>
+                <a:spcPts val="0"/>
+              </a:spcBef>
+              <a:spcAft>
+                <a:spcPts val="0"/>
+              </a:spcAft>
+              <a:buClrTx/>
+              <a:buSzTx/>
+              <a:buFontTx/>
+              <a:buNone/>
+              <a:tabLst/>
+              <a:defRPr/>
+            </a:pPr>
+            <a:r>
+              <a:rPr lang="en-US" sz="1200" b="0" i="0" kern="1200" dirty="0" err="1" smtClean="0">
+                <a:solidFill>
+                  <a:schemeClr val="tx1"/>
+                </a:solidFill>
+                <a:effectLst/>
+                <a:latin typeface="+mn-lt"/>
+                <a:ea typeface="+mn-ea"/>
+                <a:cs typeface="+mn-cs"/>
+              </a:rPr>
+              <a:t>Assynchronous</a:t>
+            </a:r>
+            <a:r>
+              <a:rPr lang="en-US" sz="1200" b="1" i="0" kern="1200" dirty="0" smtClean="0">
+                <a:solidFill>
+                  <a:schemeClr val="tx1"/>
+                </a:solidFill>
+                <a:effectLst/>
+                <a:latin typeface="+mn-lt"/>
+                <a:ea typeface="+mn-ea"/>
+                <a:cs typeface="+mn-cs"/>
+              </a:rPr>
+              <a:t> </a:t>
+            </a:r>
+            <a:r>
+              <a:rPr lang="en-US" sz="1200" b="0" i="0" kern="1200" dirty="0" err="1" smtClean="0">
+                <a:solidFill>
+                  <a:schemeClr val="tx1"/>
+                </a:solidFill>
+                <a:effectLst/>
+                <a:latin typeface="+mn-lt"/>
+                <a:ea typeface="+mn-ea"/>
+                <a:cs typeface="+mn-cs"/>
+              </a:rPr>
+              <a:t>progrogrammin</a:t>
+            </a:r>
+            <a:r>
+              <a:rPr lang="en-US" sz="1200" b="0" i="0" kern="1200" baseline="0" dirty="0" err="1" smtClean="0">
+                <a:solidFill>
+                  <a:schemeClr val="tx1"/>
+                </a:solidFill>
+                <a:effectLst/>
+                <a:latin typeface="+mn-lt"/>
+                <a:ea typeface="+mn-ea"/>
+                <a:cs typeface="+mn-cs"/>
+              </a:rPr>
+              <a:t>g</a:t>
+            </a:r>
+            <a:r>
+              <a:rPr lang="en-US" sz="1200" b="0" i="0" kern="1200" baseline="0" dirty="0" smtClean="0">
+                <a:solidFill>
+                  <a:schemeClr val="tx1"/>
+                </a:solidFill>
+                <a:effectLst/>
+                <a:latin typeface="+mn-lt"/>
+                <a:ea typeface="+mn-ea"/>
+                <a:cs typeface="+mn-cs"/>
+              </a:rPr>
+              <a:t> as a way to practice the reactive manifesto</a:t>
+            </a:r>
+            <a:endParaRPr lang="en-US" sz="1200" b="1" i="0" kern="1200" dirty="0" smtClean="0">
+              <a:solidFill>
+                <a:schemeClr val="tx1"/>
+              </a:solidFill>
+              <a:effectLst/>
+              <a:latin typeface="+mn-lt"/>
+              <a:ea typeface="+mn-ea"/>
+              <a:cs typeface="+mn-cs"/>
+            </a:endParaRPr>
+          </a:p>
+          <a:p>
             <a:endParaRPr lang="en-US" dirty="0"/>
           </a:p>
         </p:txBody>
@@ -964,13 +1052,111 @@
           <a:bodyPr/>
           <a:lstStyle/>
           <a:p>
+            <a:endParaRPr lang="en-US" dirty="0"/>
+          </a:p>
+        </p:txBody>
+      </p:sp>
+      <p:sp>
+        <p:nvSpPr>
+          <p:cNvPr id="4" name="Slide Number Placeholder 3"/>
+          <p:cNvSpPr>
+            <a:spLocks noGrp="1"/>
+          </p:cNvSpPr>
+          <p:nvPr>
+            <p:ph type="sldNum" sz="quarter" idx="10"/>
+          </p:nvPr>
+        </p:nvSpPr>
+        <p:spPr/>
+        <p:txBody>
+          <a:bodyPr/>
+          <a:lstStyle/>
+          <a:p>
+            <a:fld id="{FEC4ED2C-DC4C-4AFD-8B22-623D9727471E}" type="slidenum">
+              <a:rPr lang="en-US" smtClean="0"/>
+              <a:t>6</a:t>
+            </a:fld>
+            <a:endParaRPr lang="en-US"/>
+          </a:p>
+        </p:txBody>
+      </p:sp>
+    </p:spTree>
+    <p:extLst>
+      <p:ext uri="{BB962C8B-B14F-4D97-AF65-F5344CB8AC3E}">
+        <p14:creationId xmlns:p14="http://schemas.microsoft.com/office/powerpoint/2010/main" val="1169121469"/>
+      </p:ext>
+    </p:extLst>
+  </p:cSld>
+  <p:clrMapOvr>
+    <a:masterClrMapping/>
+  </p:clrMapOvr>
+</p:notes>
+</file>
+
+<file path=ppt/notesSlides/notesSlide4.xml><?xml version="1.0" encoding="utf-8"?>
+<p:notes xmlns:a="http://schemas.openxmlformats.org/drawingml/2006/main" xmlns:r="http://schemas.openxmlformats.org/officeDocument/2006/relationships" xmlns:p="http://schemas.openxmlformats.org/presentationml/2006/main">
+  <p:cSld>
+    <p:spTree>
+      <p:nvGrpSpPr>
+        <p:cNvPr id="1" name=""/>
+        <p:cNvGrpSpPr/>
+        <p:nvPr/>
+      </p:nvGrpSpPr>
+      <p:grpSpPr>
+        <a:xfrm>
+          <a:off x="0" y="0"/>
+          <a:ext cx="0" cy="0"/>
+          <a:chOff x="0" y="0"/>
+          <a:chExt cx="0" cy="0"/>
+        </a:xfrm>
+      </p:grpSpPr>
+      <p:sp>
+        <p:nvSpPr>
+          <p:cNvPr id="2" name="Slide Image Placeholder 1"/>
+          <p:cNvSpPr>
+            <a:spLocks noGrp="1" noRot="1" noChangeAspect="1"/>
+          </p:cNvSpPr>
+          <p:nvPr>
+            <p:ph type="sldImg"/>
+          </p:nvPr>
+        </p:nvSpPr>
+        <p:spPr/>
+      </p:sp>
+      <p:sp>
+        <p:nvSpPr>
+          <p:cNvPr id="3" name="Notes Placeholder 2"/>
+          <p:cNvSpPr>
+            <a:spLocks noGrp="1"/>
+          </p:cNvSpPr>
+          <p:nvPr>
+            <p:ph type="body" idx="1"/>
+          </p:nvPr>
+        </p:nvSpPr>
+        <p:spPr/>
+        <p:txBody>
+          <a:bodyPr/>
+          <a:lstStyle/>
+          <a:p>
             <a:r>
               <a:rPr lang="en-US" dirty="0" smtClean="0"/>
               <a:t>Just for back-up</a:t>
             </a:r>
             <a:r>
               <a:rPr lang="en-US" baseline="0" dirty="0" smtClean="0"/>
-              <a:t> for audience satisfaction</a:t>
+              <a:t> for audience </a:t>
+            </a:r>
+            <a:r>
+              <a:rPr lang="en-US" baseline="0" dirty="0" smtClean="0"/>
+              <a:t>satisfaction</a:t>
+            </a:r>
+          </a:p>
+          <a:p>
+            <a:r>
+              <a:rPr lang="en-US" baseline="0" dirty="0" smtClean="0"/>
+              <a:t>JPMS &amp; </a:t>
+            </a:r>
+            <a:r>
+              <a:rPr lang="en-US" baseline="0" dirty="0" err="1" smtClean="0"/>
+              <a:t>microprofile</a:t>
             </a:r>
             <a:endParaRPr lang="en-US" dirty="0"/>
           </a:p>
@@ -2783,7 +2969,7 @@
         </p:nvSpPr>
         <p:spPr>
           <a:xfrm>
-            <a:off x="838200" y="1825625"/>
+            <a:off x="914400" y="1447800"/>
             <a:ext cx="10515600" cy="4346575"/>
           </a:xfrm>
         </p:spPr>
@@ -2862,11 +3048,11 @@
             </a:pPr>
             <a:r>
               <a:rPr lang="en-US" sz="2400" dirty="0" smtClean="0"/>
-              <a:t>Reduce boilerplate code with </a:t>
-            </a:r>
-            <a:r>
-              <a:rPr lang="en-US" sz="2400" dirty="0" err="1" smtClean="0"/>
-              <a:t>ModelMapper</a:t>
+              <a:t>Reduce boilerplate </a:t>
+            </a:r>
+            <a:r>
+              <a:rPr lang="en-US" sz="2400" dirty="0" smtClean="0"/>
+              <a:t>code</a:t>
             </a:r>
             <a:endParaRPr lang="en-US" sz="2400" dirty="0" smtClean="0"/>
           </a:p>
@@ -3075,14 +3261,27 @@
             <p:ph sz="quarter" idx="10"/>
           </p:nvPr>
         </p:nvSpPr>
-        <p:spPr/>
+        <p:spPr>
+          <a:xfrm>
+            <a:off x="929640" y="1981201"/>
+            <a:ext cx="10515600" cy="609600"/>
+          </a:xfrm>
+        </p:spPr>
         <p:txBody>
           <a:bodyPr/>
           <a:lstStyle/>
           <a:p>
             <a:r>
               <a:rPr lang="en-US" dirty="0" smtClean="0"/>
-              <a:t>How to make V2?</a:t>
+              <a:t>How </a:t>
+            </a:r>
+            <a:r>
+              <a:rPr lang="en-US" dirty="0" smtClean="0"/>
+              <a:t>many exercises</a:t>
+            </a:r>
+            <a:r>
+              <a:rPr lang="en-US" dirty="0" smtClean="0"/>
+              <a:t>?</a:t>
             </a:r>
             <a:endParaRPr lang="en-US" dirty="0"/>
           </a:p>
@@ -3098,11 +3297,657 @@
             <p:ph type="body" sz="quarter" idx="11"/>
           </p:nvPr>
         </p:nvSpPr>
-        <p:spPr/>
+        <p:spPr>
+          <a:xfrm>
+            <a:off x="929640" y="2590801"/>
+            <a:ext cx="10515600" cy="2590800"/>
+          </a:xfrm>
+        </p:spPr>
         <p:txBody>
           <a:bodyPr/>
           <a:lstStyle/>
           <a:p>
+            <a:r>
+              <a:rPr lang="en-US" dirty="0" smtClean="0"/>
+              <a:t>Apply JPMS </a:t>
+            </a:r>
+          </a:p>
+          <a:p>
+            <a:r>
+              <a:rPr lang="en-US" dirty="0" smtClean="0"/>
+              <a:t>Analyze application behavior using ELK</a:t>
+            </a:r>
+          </a:p>
+          <a:p>
+            <a:r>
+              <a:rPr lang="en-US" dirty="0" smtClean="0"/>
+              <a:t>Apply Future interface for calling external resources</a:t>
+            </a:r>
+          </a:p>
+          <a:p>
+            <a:r>
+              <a:rPr lang="en-US" dirty="0" smtClean="0"/>
+              <a:t>Apply </a:t>
+            </a:r>
+            <a:r>
+              <a:rPr lang="en-US" dirty="0" err="1" smtClean="0"/>
+              <a:t>GraphQL</a:t>
+            </a:r>
+            <a:endParaRPr lang="en-US" dirty="0" smtClean="0"/>
+          </a:p>
+          <a:p>
+            <a:r>
+              <a:rPr lang="en-US" dirty="0" smtClean="0"/>
+              <a:t>Support multiple API versions</a:t>
+            </a:r>
+          </a:p>
+          <a:p>
+            <a:r>
+              <a:rPr lang="en-US" dirty="0" smtClean="0"/>
+              <a:t>Reducing boilerplate code</a:t>
+            </a:r>
+          </a:p>
+          <a:p>
+            <a:r>
+              <a:rPr lang="en-US" dirty="0" smtClean="0"/>
+              <a:t>…</a:t>
+            </a:r>
+            <a:endParaRPr lang="en-US" dirty="0"/>
+          </a:p>
+        </p:txBody>
+      </p:sp>
+      <p:sp>
+        <p:nvSpPr>
+          <p:cNvPr id="4" name="Content Placeholder 1"/>
+          <p:cNvSpPr txBox="1">
+            <a:spLocks/>
+          </p:cNvSpPr>
+          <p:nvPr/>
+        </p:nvSpPr>
+        <p:spPr>
+          <a:xfrm>
+            <a:off x="914400" y="327183"/>
+            <a:ext cx="10515600" cy="569913"/>
+          </a:xfrm>
+          <a:prstGeom prst="rect">
+            <a:avLst/>
+          </a:prstGeom>
+        </p:spPr>
+        <p:txBody>
+          <a:bodyPr/>
+          <a:lstStyle>
+            <a:lvl1pPr marL="0" indent="0" algn="l" defTabSz="914400" rtl="0" eaLnBrk="1" latinLnBrk="0" hangingPunct="1">
+              <a:lnSpc>
+                <a:spcPct val="90000"/>
+              </a:lnSpc>
+              <a:spcBef>
+                <a:spcPts val="1000"/>
+              </a:spcBef>
+              <a:buFont typeface="Arial" panose="020B0604020202020204" pitchFamily="34" charset="0"/>
+              <a:buNone/>
+              <a:defRPr sz="2800" b="1" i="0" kern="1200" baseline="0">
+                <a:solidFill>
+                  <a:schemeClr val="tx1"/>
+                </a:solidFill>
+                <a:latin typeface="+mn-lt"/>
+                <a:ea typeface="+mn-ea"/>
+                <a:cs typeface="+mn-cs"/>
+              </a:defRPr>
+            </a:lvl1pPr>
+            <a:lvl2pPr marL="685800" indent="-228600" algn="l" defTabSz="914400" rtl="0" eaLnBrk="1" latinLnBrk="0" hangingPunct="1">
+              <a:lnSpc>
+                <a:spcPct val="90000"/>
+              </a:lnSpc>
+              <a:spcBef>
+                <a:spcPts val="500"/>
+              </a:spcBef>
+              <a:buFont typeface="Arial" panose="020B0604020202020204" pitchFamily="34" charset="0"/>
+              <a:buChar char="•"/>
+              <a:defRPr sz="2400" kern="1200">
+                <a:solidFill>
+                  <a:schemeClr val="tx1"/>
+                </a:solidFill>
+                <a:latin typeface="+mn-lt"/>
+                <a:ea typeface="+mn-ea"/>
+                <a:cs typeface="+mn-cs"/>
+              </a:defRPr>
+            </a:lvl2pPr>
+            <a:lvl3pPr marL="1143000" indent="-228600" algn="l" defTabSz="914400" rtl="0" eaLnBrk="1" latinLnBrk="0" hangingPunct="1">
+              <a:lnSpc>
+                <a:spcPct val="90000"/>
+              </a:lnSpc>
+              <a:spcBef>
+                <a:spcPts val="500"/>
+              </a:spcBef>
+              <a:buFont typeface="Arial" panose="020B0604020202020204" pitchFamily="34" charset="0"/>
+              <a:buChar char="•"/>
+              <a:defRPr sz="2000" kern="1200">
+                <a:solidFill>
+                  <a:schemeClr val="tx1"/>
+                </a:solidFill>
+                <a:latin typeface="+mn-lt"/>
+                <a:ea typeface="+mn-ea"/>
+                <a:cs typeface="+mn-cs"/>
+              </a:defRPr>
+            </a:lvl3pPr>
+            <a:lvl4pPr marL="1600200" indent="-228600" algn="l" defTabSz="914400" rtl="0" eaLnBrk="1" latinLnBrk="0" hangingPunct="1">
+              <a:lnSpc>
+                <a:spcPct val="90000"/>
+              </a:lnSpc>
+              <a:spcBef>
+                <a:spcPts val="500"/>
+              </a:spcBef>
+              <a:buFont typeface="Arial" panose="020B0604020202020204" pitchFamily="34" charset="0"/>
+              <a:buChar char="•"/>
+              <a:defRPr sz="1800" kern="1200">
+                <a:solidFill>
+                  <a:schemeClr val="tx1"/>
+                </a:solidFill>
+                <a:latin typeface="+mn-lt"/>
+                <a:ea typeface="+mn-ea"/>
+                <a:cs typeface="+mn-cs"/>
+              </a:defRPr>
+            </a:lvl4pPr>
+            <a:lvl5pPr marL="2057400" indent="-228600" algn="l" defTabSz="914400" rtl="0" eaLnBrk="1" latinLnBrk="0" hangingPunct="1">
+              <a:lnSpc>
+                <a:spcPct val="90000"/>
+              </a:lnSpc>
+              <a:spcBef>
+                <a:spcPts val="500"/>
+              </a:spcBef>
+              <a:buFont typeface="Arial" panose="020B0604020202020204" pitchFamily="34" charset="0"/>
+              <a:buChar char="•"/>
+              <a:defRPr sz="1800" kern="1200">
+                <a:solidFill>
+                  <a:schemeClr val="tx1"/>
+                </a:solidFill>
+                <a:latin typeface="+mn-lt"/>
+                <a:ea typeface="+mn-ea"/>
+                <a:cs typeface="+mn-cs"/>
+              </a:defRPr>
+            </a:lvl5pPr>
+            <a:lvl6pPr marL="2514600" indent="-228600" algn="l" defTabSz="914400" rtl="0" eaLnBrk="1" latinLnBrk="0" hangingPunct="1">
+              <a:lnSpc>
+                <a:spcPct val="90000"/>
+              </a:lnSpc>
+              <a:spcBef>
+                <a:spcPts val="500"/>
+              </a:spcBef>
+              <a:buFont typeface="Arial" panose="020B0604020202020204" pitchFamily="34" charset="0"/>
+              <a:buChar char="•"/>
+              <a:defRPr sz="1800" kern="1200">
+                <a:solidFill>
+                  <a:schemeClr val="tx1"/>
+                </a:solidFill>
+                <a:latin typeface="+mn-lt"/>
+                <a:ea typeface="+mn-ea"/>
+                <a:cs typeface="+mn-cs"/>
+              </a:defRPr>
+            </a:lvl6pPr>
+            <a:lvl7pPr marL="2971800" indent="-228600" algn="l" defTabSz="914400" rtl="0" eaLnBrk="1" latinLnBrk="0" hangingPunct="1">
+              <a:lnSpc>
+                <a:spcPct val="90000"/>
+              </a:lnSpc>
+              <a:spcBef>
+                <a:spcPts val="500"/>
+              </a:spcBef>
+              <a:buFont typeface="Arial" panose="020B0604020202020204" pitchFamily="34" charset="0"/>
+              <a:buChar char="•"/>
+              <a:defRPr sz="1800" kern="1200">
+                <a:solidFill>
+                  <a:schemeClr val="tx1"/>
+                </a:solidFill>
+                <a:latin typeface="+mn-lt"/>
+                <a:ea typeface="+mn-ea"/>
+                <a:cs typeface="+mn-cs"/>
+              </a:defRPr>
+            </a:lvl7pPr>
+            <a:lvl8pPr marL="3429000" indent="-228600" algn="l" defTabSz="914400" rtl="0" eaLnBrk="1" latinLnBrk="0" hangingPunct="1">
+              <a:lnSpc>
+                <a:spcPct val="90000"/>
+              </a:lnSpc>
+              <a:spcBef>
+                <a:spcPts val="500"/>
+              </a:spcBef>
+              <a:buFont typeface="Arial" panose="020B0604020202020204" pitchFamily="34" charset="0"/>
+              <a:buChar char="•"/>
+              <a:defRPr sz="1800" kern="1200">
+                <a:solidFill>
+                  <a:schemeClr val="tx1"/>
+                </a:solidFill>
+                <a:latin typeface="+mn-lt"/>
+                <a:ea typeface="+mn-ea"/>
+                <a:cs typeface="+mn-cs"/>
+              </a:defRPr>
+            </a:lvl8pPr>
+            <a:lvl9pPr marL="3886200" indent="-228600" algn="l" defTabSz="914400" rtl="0" eaLnBrk="1" latinLnBrk="0" hangingPunct="1">
+              <a:lnSpc>
+                <a:spcPct val="90000"/>
+              </a:lnSpc>
+              <a:spcBef>
+                <a:spcPts val="500"/>
+              </a:spcBef>
+              <a:buFont typeface="Arial" panose="020B0604020202020204" pitchFamily="34" charset="0"/>
+              <a:buChar char="•"/>
+              <a:defRPr sz="1800" kern="1200">
+                <a:solidFill>
+                  <a:schemeClr val="tx1"/>
+                </a:solidFill>
+                <a:latin typeface="+mn-lt"/>
+                <a:ea typeface="+mn-ea"/>
+                <a:cs typeface="+mn-cs"/>
+              </a:defRPr>
+            </a:lvl9pPr>
+          </a:lstStyle>
+          <a:p>
+            <a:r>
+              <a:rPr lang="en-US" dirty="0" smtClean="0"/>
+              <a:t>How to make V2?</a:t>
+            </a:r>
+            <a:endParaRPr lang="en-US" dirty="0"/>
+          </a:p>
+        </p:txBody>
+      </p:sp>
+      <p:sp>
+        <p:nvSpPr>
+          <p:cNvPr id="5" name="Text Placeholder 2"/>
+          <p:cNvSpPr txBox="1">
+            <a:spLocks/>
+          </p:cNvSpPr>
+          <p:nvPr/>
+        </p:nvSpPr>
+        <p:spPr>
+          <a:xfrm>
+            <a:off x="891540" y="985361"/>
+            <a:ext cx="10515600" cy="1146175"/>
+          </a:xfrm>
+          <a:prstGeom prst="rect">
+            <a:avLst/>
+          </a:prstGeom>
+        </p:spPr>
+        <p:txBody>
+          <a:bodyPr/>
+          <a:lstStyle>
+            <a:lvl1pPr marL="228600" indent="-228600" algn="l" defTabSz="914400" rtl="0" eaLnBrk="1" latinLnBrk="0" hangingPunct="1">
+              <a:lnSpc>
+                <a:spcPct val="90000"/>
+              </a:lnSpc>
+              <a:spcBef>
+                <a:spcPts val="1000"/>
+              </a:spcBef>
+              <a:buClr>
+                <a:schemeClr val="accent1"/>
+              </a:buClr>
+              <a:buFont typeface="Arial" panose="020B0604020202020204" pitchFamily="34" charset="0"/>
+              <a:buChar char="•"/>
+              <a:defRPr sz="2000" kern="1200" baseline="0">
+                <a:solidFill>
+                  <a:schemeClr val="tx1"/>
+                </a:solidFill>
+                <a:latin typeface="+mn-lt"/>
+                <a:ea typeface="+mn-ea"/>
+                <a:cs typeface="+mn-cs"/>
+              </a:defRPr>
+            </a:lvl1pPr>
+            <a:lvl2pPr marL="685800" indent="-228600" algn="l" defTabSz="914400" rtl="0" eaLnBrk="1" latinLnBrk="0" hangingPunct="1">
+              <a:lnSpc>
+                <a:spcPct val="90000"/>
+              </a:lnSpc>
+              <a:spcBef>
+                <a:spcPts val="500"/>
+              </a:spcBef>
+              <a:buClr>
+                <a:srgbClr val="02A9F7"/>
+              </a:buClr>
+              <a:buFont typeface="Arial" panose="020B0604020202020204" pitchFamily="34" charset="0"/>
+              <a:buChar char="‒"/>
+              <a:defRPr sz="1800" kern="1200" baseline="0">
+                <a:solidFill>
+                  <a:schemeClr val="tx1"/>
+                </a:solidFill>
+                <a:latin typeface="+mn-lt"/>
+                <a:ea typeface="+mn-ea"/>
+                <a:cs typeface="+mn-cs"/>
+              </a:defRPr>
+            </a:lvl2pPr>
+            <a:lvl3pPr marL="1143000" indent="-228600" algn="l" defTabSz="914400" rtl="0" eaLnBrk="1" latinLnBrk="0" hangingPunct="1">
+              <a:lnSpc>
+                <a:spcPct val="90000"/>
+              </a:lnSpc>
+              <a:spcBef>
+                <a:spcPts val="500"/>
+              </a:spcBef>
+              <a:buFont typeface="Arial" panose="020B0604020202020204" pitchFamily="34" charset="0"/>
+              <a:buChar char="•"/>
+              <a:defRPr sz="1600" kern="1200" baseline="0">
+                <a:solidFill>
+                  <a:schemeClr val="tx1"/>
+                </a:solidFill>
+                <a:latin typeface="+mn-lt"/>
+                <a:ea typeface="+mn-ea"/>
+                <a:cs typeface="+mn-cs"/>
+              </a:defRPr>
+            </a:lvl3pPr>
+            <a:lvl4pPr marL="1600200" indent="-228600" algn="l" defTabSz="914400" rtl="0" eaLnBrk="1" latinLnBrk="0" hangingPunct="1">
+              <a:lnSpc>
+                <a:spcPct val="90000"/>
+              </a:lnSpc>
+              <a:spcBef>
+                <a:spcPts val="500"/>
+              </a:spcBef>
+              <a:buFont typeface="Arial" panose="020B0604020202020204" pitchFamily="34" charset="0"/>
+              <a:buChar char="•"/>
+              <a:defRPr sz="1400" kern="1200">
+                <a:solidFill>
+                  <a:schemeClr val="tx1"/>
+                </a:solidFill>
+                <a:latin typeface="+mn-lt"/>
+                <a:ea typeface="+mn-ea"/>
+                <a:cs typeface="+mn-cs"/>
+              </a:defRPr>
+            </a:lvl4pPr>
+            <a:lvl5pPr marL="2057400" indent="-228600" algn="l" defTabSz="914400" rtl="0" eaLnBrk="1" latinLnBrk="0" hangingPunct="1">
+              <a:lnSpc>
+                <a:spcPct val="90000"/>
+              </a:lnSpc>
+              <a:spcBef>
+                <a:spcPts val="500"/>
+              </a:spcBef>
+              <a:buFont typeface="Arial" panose="020B0604020202020204" pitchFamily="34" charset="0"/>
+              <a:buChar char="•"/>
+              <a:defRPr sz="1200" kern="1200">
+                <a:solidFill>
+                  <a:schemeClr val="tx1"/>
+                </a:solidFill>
+                <a:latin typeface="+mn-lt"/>
+                <a:ea typeface="+mn-ea"/>
+                <a:cs typeface="+mn-cs"/>
+              </a:defRPr>
+            </a:lvl5pPr>
+            <a:lvl6pPr marL="2514600" indent="-228600" algn="l" defTabSz="914400" rtl="0" eaLnBrk="1" latinLnBrk="0" hangingPunct="1">
+              <a:lnSpc>
+                <a:spcPct val="90000"/>
+              </a:lnSpc>
+              <a:spcBef>
+                <a:spcPts val="500"/>
+              </a:spcBef>
+              <a:buFont typeface="Arial" panose="020B0604020202020204" pitchFamily="34" charset="0"/>
+              <a:buChar char="•"/>
+              <a:defRPr sz="1800" kern="1200">
+                <a:solidFill>
+                  <a:schemeClr val="tx1"/>
+                </a:solidFill>
+                <a:latin typeface="+mn-lt"/>
+                <a:ea typeface="+mn-ea"/>
+                <a:cs typeface="+mn-cs"/>
+              </a:defRPr>
+            </a:lvl6pPr>
+            <a:lvl7pPr marL="2971800" indent="-228600" algn="l" defTabSz="914400" rtl="0" eaLnBrk="1" latinLnBrk="0" hangingPunct="1">
+              <a:lnSpc>
+                <a:spcPct val="90000"/>
+              </a:lnSpc>
+              <a:spcBef>
+                <a:spcPts val="500"/>
+              </a:spcBef>
+              <a:buFont typeface="Arial" panose="020B0604020202020204" pitchFamily="34" charset="0"/>
+              <a:buChar char="•"/>
+              <a:defRPr sz="1800" kern="1200">
+                <a:solidFill>
+                  <a:schemeClr val="tx1"/>
+                </a:solidFill>
+                <a:latin typeface="+mn-lt"/>
+                <a:ea typeface="+mn-ea"/>
+                <a:cs typeface="+mn-cs"/>
+              </a:defRPr>
+            </a:lvl7pPr>
+            <a:lvl8pPr marL="3429000" indent="-228600" algn="l" defTabSz="914400" rtl="0" eaLnBrk="1" latinLnBrk="0" hangingPunct="1">
+              <a:lnSpc>
+                <a:spcPct val="90000"/>
+              </a:lnSpc>
+              <a:spcBef>
+                <a:spcPts val="500"/>
+              </a:spcBef>
+              <a:buFont typeface="Arial" panose="020B0604020202020204" pitchFamily="34" charset="0"/>
+              <a:buChar char="•"/>
+              <a:defRPr sz="1800" kern="1200">
+                <a:solidFill>
+                  <a:schemeClr val="tx1"/>
+                </a:solidFill>
+                <a:latin typeface="+mn-lt"/>
+                <a:ea typeface="+mn-ea"/>
+                <a:cs typeface="+mn-cs"/>
+              </a:defRPr>
+            </a:lvl8pPr>
+            <a:lvl9pPr marL="3886200" indent="-228600" algn="l" defTabSz="914400" rtl="0" eaLnBrk="1" latinLnBrk="0" hangingPunct="1">
+              <a:lnSpc>
+                <a:spcPct val="90000"/>
+              </a:lnSpc>
+              <a:spcBef>
+                <a:spcPts val="500"/>
+              </a:spcBef>
+              <a:buFont typeface="Arial" panose="020B0604020202020204" pitchFamily="34" charset="0"/>
+              <a:buChar char="•"/>
+              <a:defRPr sz="1800" kern="1200">
+                <a:solidFill>
+                  <a:schemeClr val="tx1"/>
+                </a:solidFill>
+                <a:latin typeface="+mn-lt"/>
+                <a:ea typeface="+mn-ea"/>
+                <a:cs typeface="+mn-cs"/>
+              </a:defRPr>
+            </a:lvl9pPr>
+          </a:lstStyle>
+          <a:p>
+            <a:r>
+              <a:rPr lang="en-US" dirty="0" smtClean="0"/>
+              <a:t>Do not modify /master branch</a:t>
+            </a:r>
+          </a:p>
+          <a:p>
+            <a:r>
+              <a:rPr lang="en-US" dirty="0" smtClean="0"/>
+              <a:t>Make a new branch(</a:t>
+            </a:r>
+            <a:r>
+              <a:rPr lang="en-US" dirty="0" err="1" smtClean="0"/>
+              <a:t>es</a:t>
+            </a:r>
+            <a:r>
+              <a:rPr lang="en-US" dirty="0" smtClean="0"/>
+              <a:t>) for your chosen exercise</a:t>
+            </a:r>
+            <a:endParaRPr lang="en-US" dirty="0"/>
+          </a:p>
+        </p:txBody>
+      </p:sp>
+      <p:sp>
+        <p:nvSpPr>
+          <p:cNvPr id="6" name="Content Placeholder 1"/>
+          <p:cNvSpPr txBox="1">
+            <a:spLocks/>
+          </p:cNvSpPr>
+          <p:nvPr/>
+        </p:nvSpPr>
+        <p:spPr>
+          <a:xfrm>
+            <a:off x="914400" y="5562601"/>
+            <a:ext cx="10515600" cy="609599"/>
+          </a:xfrm>
+          <a:prstGeom prst="rect">
+            <a:avLst/>
+          </a:prstGeom>
+        </p:spPr>
+        <p:txBody>
+          <a:bodyPr/>
+          <a:lstStyle>
+            <a:lvl1pPr marL="0" indent="0" algn="l" defTabSz="914400" rtl="0" eaLnBrk="1" latinLnBrk="0" hangingPunct="1">
+              <a:lnSpc>
+                <a:spcPct val="90000"/>
+              </a:lnSpc>
+              <a:spcBef>
+                <a:spcPts val="1000"/>
+              </a:spcBef>
+              <a:buFont typeface="Arial" panose="020B0604020202020204" pitchFamily="34" charset="0"/>
+              <a:buNone/>
+              <a:defRPr sz="2800" b="1" i="0" kern="1200" baseline="0">
+                <a:solidFill>
+                  <a:schemeClr val="tx1"/>
+                </a:solidFill>
+                <a:latin typeface="+mn-lt"/>
+                <a:ea typeface="+mn-ea"/>
+                <a:cs typeface="+mn-cs"/>
+              </a:defRPr>
+            </a:lvl1pPr>
+            <a:lvl2pPr marL="685800" indent="-228600" algn="l" defTabSz="914400" rtl="0" eaLnBrk="1" latinLnBrk="0" hangingPunct="1">
+              <a:lnSpc>
+                <a:spcPct val="90000"/>
+              </a:lnSpc>
+              <a:spcBef>
+                <a:spcPts val="500"/>
+              </a:spcBef>
+              <a:buFont typeface="Arial" panose="020B0604020202020204" pitchFamily="34" charset="0"/>
+              <a:buChar char="•"/>
+              <a:defRPr sz="2400" kern="1200">
+                <a:solidFill>
+                  <a:schemeClr val="tx1"/>
+                </a:solidFill>
+                <a:latin typeface="+mn-lt"/>
+                <a:ea typeface="+mn-ea"/>
+                <a:cs typeface="+mn-cs"/>
+              </a:defRPr>
+            </a:lvl2pPr>
+            <a:lvl3pPr marL="1143000" indent="-228600" algn="l" defTabSz="914400" rtl="0" eaLnBrk="1" latinLnBrk="0" hangingPunct="1">
+              <a:lnSpc>
+                <a:spcPct val="90000"/>
+              </a:lnSpc>
+              <a:spcBef>
+                <a:spcPts val="500"/>
+              </a:spcBef>
+              <a:buFont typeface="Arial" panose="020B0604020202020204" pitchFamily="34" charset="0"/>
+              <a:buChar char="•"/>
+              <a:defRPr sz="2000" kern="1200">
+                <a:solidFill>
+                  <a:schemeClr val="tx1"/>
+                </a:solidFill>
+                <a:latin typeface="+mn-lt"/>
+                <a:ea typeface="+mn-ea"/>
+                <a:cs typeface="+mn-cs"/>
+              </a:defRPr>
+            </a:lvl3pPr>
+            <a:lvl4pPr marL="1600200" indent="-228600" algn="l" defTabSz="914400" rtl="0" eaLnBrk="1" latinLnBrk="0" hangingPunct="1">
+              <a:lnSpc>
+                <a:spcPct val="90000"/>
+              </a:lnSpc>
+              <a:spcBef>
+                <a:spcPts val="500"/>
+              </a:spcBef>
+              <a:buFont typeface="Arial" panose="020B0604020202020204" pitchFamily="34" charset="0"/>
+              <a:buChar char="•"/>
+              <a:defRPr sz="1800" kern="1200">
+                <a:solidFill>
+                  <a:schemeClr val="tx1"/>
+                </a:solidFill>
+                <a:latin typeface="+mn-lt"/>
+                <a:ea typeface="+mn-ea"/>
+                <a:cs typeface="+mn-cs"/>
+              </a:defRPr>
+            </a:lvl4pPr>
+            <a:lvl5pPr marL="2057400" indent="-228600" algn="l" defTabSz="914400" rtl="0" eaLnBrk="1" latinLnBrk="0" hangingPunct="1">
+              <a:lnSpc>
+                <a:spcPct val="90000"/>
+              </a:lnSpc>
+              <a:spcBef>
+                <a:spcPts val="500"/>
+              </a:spcBef>
+              <a:buFont typeface="Arial" panose="020B0604020202020204" pitchFamily="34" charset="0"/>
+              <a:buChar char="•"/>
+              <a:defRPr sz="1800" kern="1200">
+                <a:solidFill>
+                  <a:schemeClr val="tx1"/>
+                </a:solidFill>
+                <a:latin typeface="+mn-lt"/>
+                <a:ea typeface="+mn-ea"/>
+                <a:cs typeface="+mn-cs"/>
+              </a:defRPr>
+            </a:lvl5pPr>
+            <a:lvl6pPr marL="2514600" indent="-228600" algn="l" defTabSz="914400" rtl="0" eaLnBrk="1" latinLnBrk="0" hangingPunct="1">
+              <a:lnSpc>
+                <a:spcPct val="90000"/>
+              </a:lnSpc>
+              <a:spcBef>
+                <a:spcPts val="500"/>
+              </a:spcBef>
+              <a:buFont typeface="Arial" panose="020B0604020202020204" pitchFamily="34" charset="0"/>
+              <a:buChar char="•"/>
+              <a:defRPr sz="1800" kern="1200">
+                <a:solidFill>
+                  <a:schemeClr val="tx1"/>
+                </a:solidFill>
+                <a:latin typeface="+mn-lt"/>
+                <a:ea typeface="+mn-ea"/>
+                <a:cs typeface="+mn-cs"/>
+              </a:defRPr>
+            </a:lvl6pPr>
+            <a:lvl7pPr marL="2971800" indent="-228600" algn="l" defTabSz="914400" rtl="0" eaLnBrk="1" latinLnBrk="0" hangingPunct="1">
+              <a:lnSpc>
+                <a:spcPct val="90000"/>
+              </a:lnSpc>
+              <a:spcBef>
+                <a:spcPts val="500"/>
+              </a:spcBef>
+              <a:buFont typeface="Arial" panose="020B0604020202020204" pitchFamily="34" charset="0"/>
+              <a:buChar char="•"/>
+              <a:defRPr sz="1800" kern="1200">
+                <a:solidFill>
+                  <a:schemeClr val="tx1"/>
+                </a:solidFill>
+                <a:latin typeface="+mn-lt"/>
+                <a:ea typeface="+mn-ea"/>
+                <a:cs typeface="+mn-cs"/>
+              </a:defRPr>
+            </a:lvl7pPr>
+            <a:lvl8pPr marL="3429000" indent="-228600" algn="l" defTabSz="914400" rtl="0" eaLnBrk="1" latinLnBrk="0" hangingPunct="1">
+              <a:lnSpc>
+                <a:spcPct val="90000"/>
+              </a:lnSpc>
+              <a:spcBef>
+                <a:spcPts val="500"/>
+              </a:spcBef>
+              <a:buFont typeface="Arial" panose="020B0604020202020204" pitchFamily="34" charset="0"/>
+              <a:buChar char="•"/>
+              <a:defRPr sz="1800" kern="1200">
+                <a:solidFill>
+                  <a:schemeClr val="tx1"/>
+                </a:solidFill>
+                <a:latin typeface="+mn-lt"/>
+                <a:ea typeface="+mn-ea"/>
+                <a:cs typeface="+mn-cs"/>
+              </a:defRPr>
+            </a:lvl8pPr>
+            <a:lvl9pPr marL="3886200" indent="-228600" algn="l" defTabSz="914400" rtl="0" eaLnBrk="1" latinLnBrk="0" hangingPunct="1">
+              <a:lnSpc>
+                <a:spcPct val="90000"/>
+              </a:lnSpc>
+              <a:spcBef>
+                <a:spcPts val="500"/>
+              </a:spcBef>
+              <a:buFont typeface="Arial" panose="020B0604020202020204" pitchFamily="34" charset="0"/>
+              <a:buChar char="•"/>
+              <a:defRPr sz="1800" kern="1200">
+                <a:solidFill>
+                  <a:schemeClr val="tx1"/>
+                </a:solidFill>
+                <a:latin typeface="+mn-lt"/>
+                <a:ea typeface="+mn-ea"/>
+                <a:cs typeface="+mn-cs"/>
+              </a:defRPr>
+            </a:lvl9pPr>
+          </a:lstStyle>
+          <a:p>
+            <a:r>
+              <a:rPr lang="en-US" smtClean="0"/>
+              <a:t>How many exercises we have to finish?</a:t>
+            </a:r>
             <a:endParaRPr lang="en-US" dirty="0"/>
           </a:p>
         </p:txBody>
@@ -3193,7 +4038,7 @@
 </file>
 
 <file path=ppt/slides/slide8.xml><?xml version="1.0" encoding="utf-8"?>
-<p:sld xmlns:a="http://schemas.openxmlformats.org/drawingml/2006/main" xmlns:r="http://schemas.openxmlformats.org/officeDocument/2006/relationships" xmlns:p="http://schemas.openxmlformats.org/presentationml/2006/main">
+<p:sld xmlns:a="http://schemas.openxmlformats.org/drawingml/2006/main" xmlns:r="http://schemas.openxmlformats.org/officeDocument/2006/relationships" xmlns:p="http://schemas.openxmlformats.org/presentationml/2006/main" show="0">
   <p:cSld>
     <p:spTree>
       <p:nvGrpSpPr>
@@ -3277,6 +4122,14 @@
   <p:clrMapOvr>
     <a:masterClrMapping/>
   </p:clrMapOvr>
+  <mc:AlternateContent xmlns:mc="http://schemas.openxmlformats.org/markup-compatibility/2006">
+    <mc:Choice xmlns:p14="http://schemas.microsoft.com/office/powerpoint/2010/main" Requires="p14">
+      <p:transition spd="slow" p14:dur="2000"/>
+    </mc:Choice>
+    <mc:Fallback>
+      <p:transition spd="slow"/>
+    </mc:Fallback>
+  </mc:AlternateContent>
 </p:sld>
 </file>
 

--- a/presentations/DevDay2019_Java_intro.pptx
+++ b/presentations/DevDay2019_Java_intro.pptx
@@ -252,7 +252,7 @@
           <a:p>
             <a:fld id="{D426F103-508E-467C-AF53-B35FDC2F36C0}" type="datetimeFigureOut">
               <a:rPr lang="en-US" smtClean="0"/>
-              <a:t>04-Nov-2019</a:t>
+              <a:t>05-Nov-2019</a:t>
             </a:fld>
             <a:endParaRPr lang="en-US"/>
           </a:p>
@@ -429,7 +429,7 @@
           <a:p>
             <a:fld id="{A90D6CB4-478E-4505-A839-A5849C2F988C}" type="datetimeFigureOut">
               <a:rPr lang="en-US" smtClean="0"/>
-              <a:t>04-Nov-2019</a:t>
+              <a:t>05-Nov-2019</a:t>
             </a:fld>
             <a:endParaRPr lang="en-US"/>
           </a:p>
@@ -1052,6 +1052,14 @@
           <a:bodyPr/>
           <a:lstStyle/>
           <a:p>
+            <a:r>
+              <a:rPr lang="en-US" dirty="0" smtClean="0"/>
+              <a:t>How &amp; who will check your</a:t>
+            </a:r>
+            <a:r>
+              <a:rPr lang="en-US" baseline="0" dirty="0" smtClean="0"/>
+              <a:t> exercise: your supporters</a:t>
+            </a:r>
             <a:endParaRPr lang="en-US" dirty="0"/>
           </a:p>
         </p:txBody>
@@ -1142,11 +1150,7 @@
             </a:r>
             <a:r>
               <a:rPr lang="en-US" baseline="0" dirty="0" smtClean="0"/>
-              <a:t> for audience </a:t>
-            </a:r>
-            <a:r>
-              <a:rPr lang="en-US" baseline="0" dirty="0" smtClean="0"/>
-              <a:t>satisfaction</a:t>
+              <a:t> for audience satisfaction</a:t>
             </a:r>
           </a:p>
           <a:p>
@@ -2788,7 +2792,7 @@
         </p:blipFill>
         <p:spPr>
           <a:xfrm>
-            <a:off x="8959662" y="3147219"/>
+            <a:off x="9448800" y="2971800"/>
             <a:ext cx="2743200" cy="2606040"/>
           </a:xfrm>
           <a:prstGeom prst="rect">
@@ -3048,13 +3052,8 @@
             </a:pPr>
             <a:r>
               <a:rPr lang="en-US" sz="2400" dirty="0" smtClean="0"/>
-              <a:t>Reduce boilerplate </a:t>
-            </a:r>
-            <a:r>
-              <a:rPr lang="en-US" sz="2400" dirty="0" smtClean="0"/>
-              <a:t>code</a:t>
-            </a:r>
-            <a:endParaRPr lang="en-US" sz="2400" dirty="0" smtClean="0"/>
+              <a:t>Reduce boilerplate code</a:t>
+            </a:r>
           </a:p>
           <a:p>
             <a:endParaRPr lang="en-US" sz="2400" dirty="0"/>
@@ -3181,7 +3180,12 @@
             <p:ph sz="quarter" idx="10"/>
           </p:nvPr>
         </p:nvSpPr>
-        <p:spPr/>
+        <p:spPr>
+          <a:xfrm>
+            <a:off x="838200" y="457200"/>
+            <a:ext cx="10515600" cy="1139825"/>
+          </a:xfrm>
+        </p:spPr>
         <p:txBody>
           <a:bodyPr/>
           <a:lstStyle/>
@@ -3202,25 +3206,35 @@
           </a:p>
         </p:txBody>
       </p:sp>
-      <p:sp>
-        <p:nvSpPr>
-          <p:cNvPr id="3" name="Text Placeholder 2"/>
-          <p:cNvSpPr>
-            <a:spLocks noGrp="1"/>
-          </p:cNvSpPr>
-          <p:nvPr>
-            <p:ph type="body" sz="quarter" idx="11"/>
-          </p:nvPr>
-        </p:nvSpPr>
-        <p:spPr/>
-        <p:txBody>
-          <a:bodyPr/>
-          <a:lstStyle/>
-          <a:p>
-            <a:endParaRPr lang="en-US" dirty="0" smtClean="0"/>
-          </a:p>
-        </p:txBody>
-      </p:sp>
+      <p:pic>
+        <p:nvPicPr>
+          <p:cNvPr id="11" name="Picture 10"/>
+          <p:cNvPicPr>
+            <a:picLocks noChangeAspect="1"/>
+          </p:cNvPicPr>
+          <p:nvPr/>
+        </p:nvPicPr>
+        <p:blipFill rotWithShape="1">
+          <a:blip r:embed="rId4">
+            <a:extLst>
+              <a:ext uri="{28A0092B-C50C-407E-A947-70E740481C1C}">
+                <a14:useLocalDpi xmlns:a14="http://schemas.microsoft.com/office/drawing/2010/main" val="0"/>
+              </a:ext>
+            </a:extLst>
+          </a:blip>
+          <a:srcRect t="37017" b="4700"/>
+          <a:stretch/>
+        </p:blipFill>
+        <p:spPr>
+          <a:xfrm>
+            <a:off x="0" y="1981200"/>
+            <a:ext cx="12192000" cy="4724400"/>
+          </a:xfrm>
+          <a:prstGeom prst="rect">
+            <a:avLst/>
+          </a:prstGeom>
+        </p:spPr>
+      </p:pic>
     </p:spTree>
     <p:extLst>
       <p:ext uri="{BB962C8B-B14F-4D97-AF65-F5344CB8AC3E}">
@@ -3273,15 +3287,7 @@
           <a:p>
             <a:r>
               <a:rPr lang="en-US" dirty="0" smtClean="0"/>
-              <a:t>How </a:t>
-            </a:r>
-            <a:r>
-              <a:rPr lang="en-US" dirty="0" smtClean="0"/>
-              <a:t>many exercises</a:t>
-            </a:r>
-            <a:r>
-              <a:rPr lang="en-US" dirty="0" smtClean="0"/>
-              <a:t>?</a:t>
+              <a:t>How many exercises?</a:t>
             </a:r>
             <a:endParaRPr lang="en-US" dirty="0"/>
           </a:p>
@@ -3299,7 +3305,7 @@
         </p:nvSpPr>
         <p:spPr>
           <a:xfrm>
-            <a:off x="929640" y="2590801"/>
+            <a:off x="864767" y="2636759"/>
             <a:ext cx="10515600" cy="2590800"/>
           </a:xfrm>
         </p:spPr>
@@ -3558,8 +3564,8 @@
         </p:nvSpPr>
         <p:spPr>
           <a:xfrm>
-            <a:off x="891540" y="985361"/>
-            <a:ext cx="10515600" cy="1146175"/>
+            <a:off x="891540" y="985362"/>
+            <a:ext cx="10515600" cy="995840"/>
           </a:xfrm>
           <a:prstGeom prst="rect">
             <a:avLst/>
@@ -3945,10 +3951,64 @@
           </a:lstStyle>
           <a:p>
             <a:r>
-              <a:rPr lang="en-US" smtClean="0"/>
-              <a:t>How many exercises we have to finish?</a:t>
+              <a:rPr lang="en-US" dirty="0" smtClean="0"/>
+              <a:t>How many exercises </a:t>
+            </a:r>
+            <a:r>
+              <a:rPr lang="en-US" dirty="0" smtClean="0"/>
+              <a:t>have </a:t>
+            </a:r>
+            <a:r>
+              <a:rPr lang="en-US" dirty="0" smtClean="0"/>
+              <a:t>to </a:t>
+            </a:r>
+            <a:r>
+              <a:rPr lang="en-US" dirty="0" smtClean="0"/>
+              <a:t>be finished?</a:t>
             </a:r>
             <a:endParaRPr lang="en-US" dirty="0"/>
+          </a:p>
+        </p:txBody>
+      </p:sp>
+      <p:sp>
+        <p:nvSpPr>
+          <p:cNvPr id="7" name="Rectangle 6"/>
+          <p:cNvSpPr/>
+          <p:nvPr/>
+        </p:nvSpPr>
+        <p:spPr>
+          <a:xfrm>
+            <a:off x="864767" y="6137910"/>
+            <a:ext cx="6629400" cy="369332"/>
+          </a:xfrm>
+          <a:prstGeom prst="rect">
+            <a:avLst/>
+          </a:prstGeom>
+        </p:spPr>
+        <p:txBody>
+          <a:bodyPr wrap="square">
+            <a:spAutoFit/>
+          </a:bodyPr>
+          <a:lstStyle/>
+          <a:p>
+            <a:pPr marL="228600" indent="-228600">
+              <a:lnSpc>
+                <a:spcPct val="90000"/>
+              </a:lnSpc>
+              <a:spcBef>
+                <a:spcPts val="1000"/>
+              </a:spcBef>
+              <a:buClr>
+                <a:schemeClr val="accent1"/>
+              </a:buClr>
+              <a:buFont typeface="Arial" panose="020B0604020202020204" pitchFamily="34" charset="0"/>
+              <a:buChar char="•"/>
+            </a:pPr>
+            <a:r>
+              <a:rPr lang="en-US" sz="2000" dirty="0"/>
+              <a:t>Your team decision</a:t>
+            </a:r>
+            <a:endParaRPr lang="en-US" sz="2000" dirty="0"/>
           </a:p>
         </p:txBody>
       </p:sp>
@@ -4122,11 +4182,11 @@
   <p:clrMapOvr>
     <a:masterClrMapping/>
   </p:clrMapOvr>
-  <mc:AlternateContent xmlns:mc="http://schemas.openxmlformats.org/markup-compatibility/2006">
-    <mc:Choice xmlns:p14="http://schemas.microsoft.com/office/powerpoint/2010/main" Requires="p14">
+  <mc:AlternateContent xmlns:mc="http://schemas.openxmlformats.org/markup-compatibility/2006" xmlns:p14="http://schemas.microsoft.com/office/powerpoint/2010/main">
+    <mc:Choice Requires="p14">
       <p:transition spd="slow" p14:dur="2000"/>
     </mc:Choice>
-    <mc:Fallback>
+    <mc:Fallback xmlns="">
       <p:transition spd="slow"/>
     </mc:Fallback>
   </mc:AlternateContent>

--- a/presentations/DevDay2019_Java_intro.pptx
+++ b/presentations/DevDay2019_Java_intro.pptx
@@ -22,7 +22,7 @@
     <p:sldId id="295" r:id="rId10"/>
   </p:sldIdLst>
   <p:sldSz cx="12192000" cy="6858000"/>
-  <p:notesSz cx="6858000" cy="9144000"/>
+  <p:notesSz cx="6797675" cy="9928225"/>
   <p:defaultTextStyle>
     <a:defPPr>
       <a:defRPr lang="en-US"/>
@@ -199,7 +199,7 @@
         <p:spPr>
           <a:xfrm>
             <a:off x="0" y="0"/>
-            <a:ext cx="2971800" cy="458788"/>
+            <a:ext cx="2945659" cy="498135"/>
           </a:xfrm>
           <a:prstGeom prst="rect">
             <a:avLst/>
@@ -235,8 +235,8 @@
         </p:nvSpPr>
         <p:spPr>
           <a:xfrm>
-            <a:off x="3884613" y="0"/>
-            <a:ext cx="2971800" cy="458788"/>
+            <a:off x="3850443" y="0"/>
+            <a:ext cx="2945659" cy="498135"/>
           </a:xfrm>
           <a:prstGeom prst="rect">
             <a:avLst/>
@@ -252,7 +252,7 @@
           <a:p>
             <a:fld id="{D426F103-508E-467C-AF53-B35FDC2F36C0}" type="datetimeFigureOut">
               <a:rPr lang="en-US" smtClean="0"/>
-              <a:t>05-Nov-2019</a:t>
+              <a:t>14-Nov-2019</a:t>
             </a:fld>
             <a:endParaRPr lang="en-US"/>
           </a:p>
@@ -276,8 +276,8 @@
         </p:nvSpPr>
         <p:spPr>
           <a:xfrm>
-            <a:off x="0" y="8685213"/>
-            <a:ext cx="2971800" cy="458787"/>
+            <a:off x="0" y="9430091"/>
+            <a:ext cx="2945659" cy="498134"/>
           </a:xfrm>
           <a:prstGeom prst="rect">
             <a:avLst/>
@@ -313,8 +313,8 @@
         </p:nvSpPr>
         <p:spPr>
           <a:xfrm>
-            <a:off x="3884613" y="8685213"/>
-            <a:ext cx="2971800" cy="458787"/>
+            <a:off x="3850443" y="9430091"/>
+            <a:ext cx="2945659" cy="498134"/>
           </a:xfrm>
           <a:prstGeom prst="rect">
             <a:avLst/>
@@ -382,7 +382,7 @@
         <p:spPr>
           <a:xfrm>
             <a:off x="0" y="0"/>
-            <a:ext cx="2971800" cy="458788"/>
+            <a:ext cx="2945659" cy="498135"/>
           </a:xfrm>
           <a:prstGeom prst="rect">
             <a:avLst/>
@@ -412,8 +412,8 @@
         </p:nvSpPr>
         <p:spPr>
           <a:xfrm>
-            <a:off x="3884613" y="0"/>
-            <a:ext cx="2971800" cy="458788"/>
+            <a:off x="3850443" y="0"/>
+            <a:ext cx="2945659" cy="498135"/>
           </a:xfrm>
           <a:prstGeom prst="rect">
             <a:avLst/>
@@ -429,7 +429,7 @@
           <a:p>
             <a:fld id="{A90D6CB4-478E-4505-A839-A5849C2F988C}" type="datetimeFigureOut">
               <a:rPr lang="en-US" smtClean="0"/>
-              <a:t>05-Nov-2019</a:t>
+              <a:t>14-Nov-2019</a:t>
             </a:fld>
             <a:endParaRPr lang="en-US"/>
           </a:p>
@@ -447,8 +447,8 @@
         </p:nvSpPr>
         <p:spPr>
           <a:xfrm>
-            <a:off x="685800" y="1143000"/>
-            <a:ext cx="5486400" cy="3086100"/>
+            <a:off x="422275" y="1241425"/>
+            <a:ext cx="5953125" cy="3349625"/>
           </a:xfrm>
           <a:prstGeom prst="rect">
             <a:avLst/>
@@ -480,8 +480,8 @@
         </p:nvSpPr>
         <p:spPr>
           <a:xfrm>
-            <a:off x="685800" y="4400550"/>
-            <a:ext cx="5486400" cy="3600450"/>
+            <a:off x="679768" y="4777958"/>
+            <a:ext cx="5438140" cy="3909239"/>
           </a:xfrm>
           <a:prstGeom prst="rect">
             <a:avLst/>
@@ -539,8 +539,8 @@
         </p:nvSpPr>
         <p:spPr>
           <a:xfrm>
-            <a:off x="0" y="8685213"/>
-            <a:ext cx="2971800" cy="458787"/>
+            <a:off x="0" y="9430091"/>
+            <a:ext cx="2945659" cy="498134"/>
           </a:xfrm>
           <a:prstGeom prst="rect">
             <a:avLst/>
@@ -570,8 +570,8 @@
         </p:nvSpPr>
         <p:spPr>
           <a:xfrm>
-            <a:off x="3884613" y="8685213"/>
-            <a:ext cx="2971800" cy="458787"/>
+            <a:off x="3850443" y="9430091"/>
+            <a:ext cx="2945659" cy="498134"/>
           </a:xfrm>
           <a:prstGeom prst="rect">
             <a:avLst/>
@@ -740,146 +740,6 @@
           <a:bodyPr/>
           <a:lstStyle/>
           <a:p>
-            <a:pPr marL="0" marR="0" indent="0" algn="l" defTabSz="914400" rtl="0" eaLnBrk="1" fontAlgn="auto" latinLnBrk="0" hangingPunct="1">
-              <a:lnSpc>
-                <a:spcPct val="100000"/>
-              </a:lnSpc>
-              <a:spcBef>
-                <a:spcPts val="0"/>
-              </a:spcBef>
-              <a:spcAft>
-                <a:spcPts val="0"/>
-              </a:spcAft>
-              <a:buClrTx/>
-              <a:buSzTx/>
-              <a:buFontTx/>
-              <a:buNone/>
-              <a:tabLst/>
-              <a:defRPr/>
-            </a:pPr>
-            <a:r>
-              <a:rPr lang="en-US" sz="1200" b="1" i="0" kern="1200" dirty="0" smtClean="0">
-                <a:solidFill>
-                  <a:schemeClr val="tx1"/>
-                </a:solidFill>
-                <a:effectLst/>
-                <a:latin typeface="+mn-lt"/>
-                <a:ea typeface="+mn-ea"/>
-                <a:cs typeface="+mn-cs"/>
-              </a:rPr>
-              <a:t>Future vs </a:t>
-            </a:r>
-            <a:r>
-              <a:rPr lang="en-US" sz="1200" b="1" i="0" kern="1200" dirty="0" err="1" smtClean="0">
-                <a:solidFill>
-                  <a:schemeClr val="tx1"/>
-                </a:solidFill>
-                <a:effectLst/>
-                <a:latin typeface="+mn-lt"/>
-                <a:ea typeface="+mn-ea"/>
-                <a:cs typeface="+mn-cs"/>
-              </a:rPr>
-              <a:t>CompletableFuture</a:t>
-            </a:r>
-            <a:endParaRPr lang="en-US" sz="1200" b="1" i="0" kern="1200" dirty="0" smtClean="0">
-              <a:solidFill>
-                <a:schemeClr val="tx1"/>
-              </a:solidFill>
-              <a:effectLst/>
-              <a:latin typeface="+mn-lt"/>
-              <a:ea typeface="+mn-ea"/>
-              <a:cs typeface="+mn-cs"/>
-            </a:endParaRPr>
-          </a:p>
-          <a:p>
-            <a:pPr marL="0" marR="0" indent="0" algn="l" defTabSz="914400" rtl="0" eaLnBrk="1" fontAlgn="auto" latinLnBrk="0" hangingPunct="1">
-              <a:lnSpc>
-                <a:spcPct val="100000"/>
-              </a:lnSpc>
-              <a:spcBef>
-                <a:spcPts val="0"/>
-              </a:spcBef>
-              <a:spcAft>
-                <a:spcPts val="0"/>
-              </a:spcAft>
-              <a:buClrTx/>
-              <a:buSzTx/>
-              <a:buFontTx/>
-              <a:buNone/>
-              <a:tabLst/>
-              <a:defRPr/>
-            </a:pPr>
-            <a:r>
-              <a:rPr lang="en-US" sz="1200" b="0" i="0" kern="1200" dirty="0" err="1" smtClean="0">
-                <a:solidFill>
-                  <a:schemeClr val="tx1"/>
-                </a:solidFill>
-                <a:effectLst/>
-                <a:latin typeface="+mn-lt"/>
-                <a:ea typeface="+mn-ea"/>
-                <a:cs typeface="+mn-cs"/>
-              </a:rPr>
-              <a:t>Assynchronous</a:t>
-            </a:r>
-            <a:r>
-              <a:rPr lang="en-US" sz="1200" b="1" i="0" kern="1200" dirty="0" smtClean="0">
-                <a:solidFill>
-                  <a:schemeClr val="tx1"/>
-                </a:solidFill>
-                <a:effectLst/>
-                <a:latin typeface="+mn-lt"/>
-                <a:ea typeface="+mn-ea"/>
-                <a:cs typeface="+mn-cs"/>
-              </a:rPr>
-              <a:t> </a:t>
-            </a:r>
-            <a:r>
-              <a:rPr lang="en-US" sz="1200" b="0" i="0" kern="1200" dirty="0" err="1" smtClean="0">
-                <a:solidFill>
-                  <a:schemeClr val="tx1"/>
-                </a:solidFill>
-                <a:effectLst/>
-                <a:latin typeface="+mn-lt"/>
-                <a:ea typeface="+mn-ea"/>
-                <a:cs typeface="+mn-cs"/>
-              </a:rPr>
-              <a:t>progrogrammin</a:t>
-            </a:r>
-            <a:r>
-              <a:rPr lang="en-US" sz="1200" b="0" i="0" kern="1200" baseline="0" dirty="0" err="1" smtClean="0">
-                <a:solidFill>
-                  <a:schemeClr val="tx1"/>
-                </a:solidFill>
-                <a:effectLst/>
-                <a:latin typeface="+mn-lt"/>
-                <a:ea typeface="+mn-ea"/>
-                <a:cs typeface="+mn-cs"/>
-              </a:rPr>
-              <a:t>g</a:t>
-            </a:r>
-            <a:r>
-              <a:rPr lang="en-US" sz="1200" b="0" i="0" kern="1200" baseline="0" dirty="0" smtClean="0">
-                <a:solidFill>
-                  <a:schemeClr val="tx1"/>
-                </a:solidFill>
-                <a:effectLst/>
-                <a:latin typeface="+mn-lt"/>
-                <a:ea typeface="+mn-ea"/>
-                <a:cs typeface="+mn-cs"/>
-              </a:rPr>
-              <a:t> as a way to practice the reactive manifesto</a:t>
-            </a:r>
-            <a:endParaRPr lang="en-US" sz="1200" b="1" i="0" kern="1200" dirty="0" smtClean="0">
-              <a:solidFill>
-                <a:schemeClr val="tx1"/>
-              </a:solidFill>
-              <a:effectLst/>
-              <a:latin typeface="+mn-lt"/>
-              <a:ea typeface="+mn-ea"/>
-              <a:cs typeface="+mn-cs"/>
-            </a:endParaRPr>
-          </a:p>
-          <a:p>
             <a:endParaRPr lang="en-US" dirty="0"/>
           </a:p>
         </p:txBody>
@@ -901,7 +761,7 @@
           <a:p>
             <a:fld id="{FEC4ED2C-DC4C-4AFD-8B22-623D9727471E}" type="slidenum">
               <a:rPr lang="en-US" smtClean="0"/>
-              <a:t>3</a:t>
+              <a:t>2</a:t>
             </a:fld>
             <a:endParaRPr lang="en-US"/>
           </a:p>
@@ -910,7 +770,7 @@
     </p:spTree>
     <p:extLst>
       <p:ext uri="{BB962C8B-B14F-4D97-AF65-F5344CB8AC3E}">
-        <p14:creationId xmlns:p14="http://schemas.microsoft.com/office/powerpoint/2010/main" val="3391052439"/>
+        <p14:creationId xmlns:p14="http://schemas.microsoft.com/office/powerpoint/2010/main" val="2300703471"/>
       </p:ext>
     </p:extLst>
   </p:cSld>
@@ -964,10 +824,146 @@
           <a:bodyPr/>
           <a:lstStyle/>
           <a:p>
-            <a:r>
-              <a:rPr lang="en-US" dirty="0" smtClean="0"/>
-              <a:t>Add link to swagger</a:t>
-            </a:r>
+            <a:pPr marL="0" marR="0" indent="0" algn="l" defTabSz="914400" rtl="0" eaLnBrk="1" fontAlgn="auto" latinLnBrk="0" hangingPunct="1">
+              <a:lnSpc>
+                <a:spcPct val="100000"/>
+              </a:lnSpc>
+              <a:spcBef>
+                <a:spcPts val="0"/>
+              </a:spcBef>
+              <a:spcAft>
+                <a:spcPts val="0"/>
+              </a:spcAft>
+              <a:buClrTx/>
+              <a:buSzTx/>
+              <a:buFontTx/>
+              <a:buNone/>
+              <a:tabLst/>
+              <a:defRPr/>
+            </a:pPr>
+            <a:r>
+              <a:rPr lang="en-US" sz="1200" b="1" i="0" kern="1200" dirty="0" smtClean="0">
+                <a:solidFill>
+                  <a:schemeClr val="tx1"/>
+                </a:solidFill>
+                <a:effectLst/>
+                <a:latin typeface="+mn-lt"/>
+                <a:ea typeface="+mn-ea"/>
+                <a:cs typeface="+mn-cs"/>
+              </a:rPr>
+              <a:t>Future vs </a:t>
+            </a:r>
+            <a:r>
+              <a:rPr lang="en-US" sz="1200" b="1" i="0" kern="1200" dirty="0" err="1" smtClean="0">
+                <a:solidFill>
+                  <a:schemeClr val="tx1"/>
+                </a:solidFill>
+                <a:effectLst/>
+                <a:latin typeface="+mn-lt"/>
+                <a:ea typeface="+mn-ea"/>
+                <a:cs typeface="+mn-cs"/>
+              </a:rPr>
+              <a:t>CompletableFuture</a:t>
+            </a:r>
+            <a:endParaRPr lang="en-US" sz="1200" b="1" i="0" kern="1200" dirty="0" smtClean="0">
+              <a:solidFill>
+                <a:schemeClr val="tx1"/>
+              </a:solidFill>
+              <a:effectLst/>
+              <a:latin typeface="+mn-lt"/>
+              <a:ea typeface="+mn-ea"/>
+              <a:cs typeface="+mn-cs"/>
+            </a:endParaRPr>
+          </a:p>
+          <a:p>
+            <a:pPr marL="0" marR="0" indent="0" algn="l" defTabSz="914400" rtl="0" eaLnBrk="1" fontAlgn="auto" latinLnBrk="0" hangingPunct="1">
+              <a:lnSpc>
+                <a:spcPct val="100000"/>
+              </a:lnSpc>
+              <a:spcBef>
+                <a:spcPts val="0"/>
+              </a:spcBef>
+              <a:spcAft>
+                <a:spcPts val="0"/>
+              </a:spcAft>
+              <a:buClrTx/>
+              <a:buSzTx/>
+              <a:buFontTx/>
+              <a:buNone/>
+              <a:tabLst/>
+              <a:defRPr/>
+            </a:pPr>
+            <a:r>
+              <a:rPr lang="en-US" sz="1200" b="0" i="0" kern="1200" dirty="0" err="1" smtClean="0">
+                <a:solidFill>
+                  <a:schemeClr val="tx1"/>
+                </a:solidFill>
+                <a:effectLst/>
+                <a:latin typeface="+mn-lt"/>
+                <a:ea typeface="+mn-ea"/>
+                <a:cs typeface="+mn-cs"/>
+              </a:rPr>
+              <a:t>Assynchronous</a:t>
+            </a:r>
+            <a:r>
+              <a:rPr lang="en-US" sz="1200" b="1" i="0" kern="1200" dirty="0" smtClean="0">
+                <a:solidFill>
+                  <a:schemeClr val="tx1"/>
+                </a:solidFill>
+                <a:effectLst/>
+                <a:latin typeface="+mn-lt"/>
+                <a:ea typeface="+mn-ea"/>
+                <a:cs typeface="+mn-cs"/>
+              </a:rPr>
+              <a:t> </a:t>
+            </a:r>
+            <a:r>
+              <a:rPr lang="en-US" sz="1200" b="0" i="0" kern="1200" dirty="0" err="1" smtClean="0">
+                <a:solidFill>
+                  <a:schemeClr val="tx1"/>
+                </a:solidFill>
+                <a:effectLst/>
+                <a:latin typeface="+mn-lt"/>
+                <a:ea typeface="+mn-ea"/>
+                <a:cs typeface="+mn-cs"/>
+              </a:rPr>
+              <a:t>progrogrammin</a:t>
+            </a:r>
+            <a:r>
+              <a:rPr lang="en-US" sz="1200" b="0" i="0" kern="1200" baseline="0" dirty="0" err="1" smtClean="0">
+                <a:solidFill>
+                  <a:schemeClr val="tx1"/>
+                </a:solidFill>
+                <a:effectLst/>
+                <a:latin typeface="+mn-lt"/>
+                <a:ea typeface="+mn-ea"/>
+                <a:cs typeface="+mn-cs"/>
+              </a:rPr>
+              <a:t>g</a:t>
+            </a:r>
+            <a:r>
+              <a:rPr lang="en-US" sz="1200" b="0" i="0" kern="1200" baseline="0" dirty="0" smtClean="0">
+                <a:solidFill>
+                  <a:schemeClr val="tx1"/>
+                </a:solidFill>
+                <a:effectLst/>
+                <a:latin typeface="+mn-lt"/>
+                <a:ea typeface="+mn-ea"/>
+                <a:cs typeface="+mn-cs"/>
+              </a:rPr>
+              <a:t> as a way to practice the reactive manifesto</a:t>
+            </a:r>
+            <a:endParaRPr lang="en-US" sz="1200" b="1" i="0" kern="1200" dirty="0" smtClean="0">
+              <a:solidFill>
+                <a:schemeClr val="tx1"/>
+              </a:solidFill>
+              <a:effectLst/>
+              <a:latin typeface="+mn-lt"/>
+              <a:ea typeface="+mn-ea"/>
+              <a:cs typeface="+mn-cs"/>
+            </a:endParaRPr>
+          </a:p>
+          <a:p>
             <a:endParaRPr lang="en-US" dirty="0"/>
           </a:p>
         </p:txBody>
@@ -989,7 +985,7 @@
           <a:p>
             <a:fld id="{FEC4ED2C-DC4C-4AFD-8B22-623D9727471E}" type="slidenum">
               <a:rPr lang="en-US" smtClean="0"/>
-              <a:t>5</a:t>
+              <a:t>3</a:t>
             </a:fld>
             <a:endParaRPr lang="en-US"/>
           </a:p>
@@ -998,7 +994,7 @@
     </p:spTree>
     <p:extLst>
       <p:ext uri="{BB962C8B-B14F-4D97-AF65-F5344CB8AC3E}">
-        <p14:creationId xmlns:p14="http://schemas.microsoft.com/office/powerpoint/2010/main" val="17505287"/>
+        <p14:creationId xmlns:p14="http://schemas.microsoft.com/office/powerpoint/2010/main" val="3391052439"/>
       </p:ext>
     </p:extLst>
   </p:cSld>
@@ -1054,6 +1050,94 @@
           <a:p>
             <a:r>
               <a:rPr lang="en-US" dirty="0" smtClean="0"/>
+              <a:t>Add link to swagger</a:t>
+            </a:r>
+            <a:endParaRPr lang="en-US" dirty="0"/>
+          </a:p>
+        </p:txBody>
+      </p:sp>
+      <p:sp>
+        <p:nvSpPr>
+          <p:cNvPr id="4" name="Slide Number Placeholder 3"/>
+          <p:cNvSpPr>
+            <a:spLocks noGrp="1"/>
+          </p:cNvSpPr>
+          <p:nvPr>
+            <p:ph type="sldNum" sz="quarter" idx="10"/>
+          </p:nvPr>
+        </p:nvSpPr>
+        <p:spPr/>
+        <p:txBody>
+          <a:bodyPr/>
+          <a:lstStyle/>
+          <a:p>
+            <a:fld id="{FEC4ED2C-DC4C-4AFD-8B22-623D9727471E}" type="slidenum">
+              <a:rPr lang="en-US" smtClean="0"/>
+              <a:t>5</a:t>
+            </a:fld>
+            <a:endParaRPr lang="en-US"/>
+          </a:p>
+        </p:txBody>
+      </p:sp>
+    </p:spTree>
+    <p:extLst>
+      <p:ext uri="{BB962C8B-B14F-4D97-AF65-F5344CB8AC3E}">
+        <p14:creationId xmlns:p14="http://schemas.microsoft.com/office/powerpoint/2010/main" val="17505287"/>
+      </p:ext>
+    </p:extLst>
+  </p:cSld>
+  <p:clrMapOvr>
+    <a:masterClrMapping/>
+  </p:clrMapOvr>
+</p:notes>
+</file>
+
+<file path=ppt/notesSlides/notesSlide4.xml><?xml version="1.0" encoding="utf-8"?>
+<p:notes xmlns:a="http://schemas.openxmlformats.org/drawingml/2006/main" xmlns:r="http://schemas.openxmlformats.org/officeDocument/2006/relationships" xmlns:p="http://schemas.openxmlformats.org/presentationml/2006/main">
+  <p:cSld>
+    <p:spTree>
+      <p:nvGrpSpPr>
+        <p:cNvPr id="1" name=""/>
+        <p:cNvGrpSpPr/>
+        <p:nvPr/>
+      </p:nvGrpSpPr>
+      <p:grpSpPr>
+        <a:xfrm>
+          <a:off x="0" y="0"/>
+          <a:ext cx="0" cy="0"/>
+          <a:chOff x="0" y="0"/>
+          <a:chExt cx="0" cy="0"/>
+        </a:xfrm>
+      </p:grpSpPr>
+      <p:sp>
+        <p:nvSpPr>
+          <p:cNvPr id="2" name="Slide Image Placeholder 1"/>
+          <p:cNvSpPr>
+            <a:spLocks noGrp="1" noRot="1" noChangeAspect="1"/>
+          </p:cNvSpPr>
+          <p:nvPr>
+            <p:ph type="sldImg"/>
+          </p:nvPr>
+        </p:nvSpPr>
+        <p:spPr/>
+      </p:sp>
+      <p:sp>
+        <p:nvSpPr>
+          <p:cNvPr id="3" name="Notes Placeholder 2"/>
+          <p:cNvSpPr>
+            <a:spLocks noGrp="1"/>
+          </p:cNvSpPr>
+          <p:nvPr>
+            <p:ph type="body" idx="1"/>
+          </p:nvPr>
+        </p:nvSpPr>
+        <p:spPr/>
+        <p:txBody>
+          <a:bodyPr/>
+          <a:lstStyle/>
+          <a:p>
+            <a:r>
+              <a:rPr lang="en-US" dirty="0" smtClean="0"/>
               <a:t>How &amp; who will check your</a:t>
             </a:r>
             <a:r>
@@ -1100,7 +1184,7 @@
 </p:notes>
 </file>
 
-<file path=ppt/notesSlides/notesSlide4.xml><?xml version="1.0" encoding="utf-8"?>
+<file path=ppt/notesSlides/notesSlide5.xml><?xml version="1.0" encoding="utf-8"?>
 <p:notes xmlns:a="http://schemas.openxmlformats.org/drawingml/2006/main" xmlns:r="http://schemas.openxmlformats.org/officeDocument/2006/relationships" xmlns:p="http://schemas.openxmlformats.org/presentationml/2006/main">
   <p:cSld>
     <p:spTree>
@@ -2655,7 +2739,7 @@
         <p:spPr>
           <a:xfrm>
             <a:off x="0" y="381000"/>
-            <a:ext cx="5638800" cy="646331"/>
+            <a:ext cx="3962400" cy="646331"/>
           </a:xfrm>
           <a:prstGeom prst="rect">
             <a:avLst/>
@@ -2677,7 +2761,7 @@
                   <a:schemeClr val="bg1"/>
                 </a:solidFill>
               </a:rPr>
-              <a:t>What on the back-end?</a:t>
+              <a:t>Pre-face</a:t>
             </a:r>
             <a:endParaRPr lang="en-US" sz="3600" dirty="0">
               <a:solidFill>
@@ -2695,8 +2779,8 @@
         </p:nvGrpSpPr>
         <p:grpSpPr>
           <a:xfrm>
-            <a:off x="546866" y="3986340"/>
-            <a:ext cx="2466521" cy="1885950"/>
+            <a:off x="5808799" y="3810000"/>
+            <a:ext cx="2352944" cy="1821160"/>
             <a:chOff x="13138" y="1752600"/>
             <a:chExt cx="2466521" cy="1885950"/>
           </a:xfrm>
@@ -2748,7 +2832,7 @@
             <p:nvPr/>
           </p:nvPicPr>
           <p:blipFill>
-            <a:blip r:embed="rId2">
+            <a:blip r:embed="rId3">
               <a:extLst>
                 <a:ext uri="{28A0092B-C50C-407E-A947-70E740481C1C}">
                   <a14:useLocalDpi xmlns:a14="http://schemas.microsoft.com/office/drawing/2010/main" val="0"/>
@@ -2772,36 +2856,6 @@
       </p:grpSp>
       <p:pic>
         <p:nvPicPr>
-          <p:cNvPr id="15" name="Picture 14"/>
-          <p:cNvPicPr>
-            <a:picLocks noChangeAspect="1"/>
-          </p:cNvPicPr>
-          <p:nvPr/>
-        </p:nvPicPr>
-        <p:blipFill>
-          <a:blip r:embed="rId3">
-            <a:extLst>
-              <a:ext uri="{28A0092B-C50C-407E-A947-70E740481C1C}">
-                <a14:useLocalDpi xmlns:a14="http://schemas.microsoft.com/office/drawing/2010/main" val="0"/>
-              </a:ext>
-            </a:extLst>
-          </a:blip>
-          <a:stretch>
-            <a:fillRect/>
-          </a:stretch>
-        </p:blipFill>
-        <p:spPr>
-          <a:xfrm>
-            <a:off x="9448800" y="2971800"/>
-            <a:ext cx="2743200" cy="2606040"/>
-          </a:xfrm>
-          <a:prstGeom prst="rect">
-            <a:avLst/>
-          </a:prstGeom>
-        </p:spPr>
-      </p:pic>
-      <p:pic>
-        <p:nvPicPr>
           <p:cNvPr id="16" name="Picture 15"/>
           <p:cNvPicPr>
             <a:picLocks noChangeAspect="1"/>
@@ -2822,7 +2876,7 @@
         </p:blipFill>
         <p:spPr>
           <a:xfrm>
-            <a:off x="5334000" y="2057400"/>
+            <a:off x="5562600" y="1811733"/>
             <a:ext cx="2622003" cy="1376552"/>
           </a:xfrm>
           <a:prstGeom prst="rect">
@@ -2852,8 +2906,8 @@
         </p:blipFill>
         <p:spPr>
           <a:xfrm>
-            <a:off x="502197" y="2413416"/>
-            <a:ext cx="3048000" cy="771525"/>
+            <a:off x="914400" y="2342465"/>
+            <a:ext cx="2408297" cy="609600"/>
           </a:xfrm>
           <a:prstGeom prst="rect">
             <a:avLst/>
@@ -2882,8 +2936,38 @@
         </p:blipFill>
         <p:spPr>
           <a:xfrm>
-            <a:off x="5388646" y="4097635"/>
+            <a:off x="9982200" y="3200400"/>
             <a:ext cx="1837294" cy="1895475"/>
+          </a:xfrm>
+          <a:prstGeom prst="rect">
+            <a:avLst/>
+          </a:prstGeom>
+        </p:spPr>
+      </p:pic>
+      <p:pic>
+        <p:nvPicPr>
+          <p:cNvPr id="4" name="Picture 3"/>
+          <p:cNvPicPr>
+            <a:picLocks noChangeAspect="1"/>
+          </p:cNvPicPr>
+          <p:nvPr/>
+        </p:nvPicPr>
+        <p:blipFill>
+          <a:blip r:embed="rId7">
+            <a:extLst>
+              <a:ext uri="{28A0092B-C50C-407E-A947-70E740481C1C}">
+                <a14:useLocalDpi xmlns:a14="http://schemas.microsoft.com/office/drawing/2010/main" val="0"/>
+              </a:ext>
+            </a:extLst>
+          </a:blip>
+          <a:stretch>
+            <a:fillRect/>
+          </a:stretch>
+        </p:blipFill>
+        <p:spPr>
+          <a:xfrm>
+            <a:off x="1600200" y="4267200"/>
+            <a:ext cx="1228189" cy="1228189"/>
           </a:xfrm>
           <a:prstGeom prst="rect">
             <a:avLst/>
@@ -2974,7 +3058,7 @@
         <p:spPr>
           <a:xfrm>
             <a:off x="914400" y="1447800"/>
-            <a:ext cx="10515600" cy="4346575"/>
+            <a:ext cx="10515600" cy="5257800"/>
           </a:xfrm>
         </p:spPr>
         <p:txBody>
@@ -2987,7 +3071,7 @@
               </a:lnSpc>
             </a:pPr>
             <a:r>
-              <a:rPr lang="en-US" sz="2400" dirty="0" smtClean="0"/>
+              <a:rPr lang="en-US" sz="2800" dirty="0" smtClean="0"/>
               <a:t>Modular with JPMS</a:t>
             </a:r>
           </a:p>
@@ -2998,12 +3082,20 @@
               </a:lnSpc>
             </a:pPr>
             <a:r>
-              <a:rPr lang="en-US" sz="2400" dirty="0"/>
+              <a:rPr lang="en-US" sz="2800" dirty="0"/>
               <a:t>Asynchronous programming with </a:t>
             </a:r>
             <a:r>
-              <a:rPr lang="en-US" sz="2400" dirty="0" smtClean="0"/>
-              <a:t>Future interface</a:t>
+              <a:rPr lang="en-US" sz="2800" dirty="0" err="1" smtClean="0"/>
+              <a:t>CompletableFuture</a:t>
+            </a:r>
+            <a:r>
+              <a:rPr lang="en-US" sz="2800" dirty="0" smtClean="0"/>
+              <a:t> </a:t>
+            </a:r>
+            <a:r>
+              <a:rPr lang="en-US" sz="2800" dirty="0" smtClean="0"/>
+              <a:t>interface</a:t>
             </a:r>
           </a:p>
           <a:p>
@@ -3013,7 +3105,7 @@
               </a:lnSpc>
             </a:pPr>
             <a:r>
-              <a:rPr lang="en-US" sz="2400" dirty="0" smtClean="0"/>
+              <a:rPr lang="en-US" sz="2800" dirty="0" smtClean="0"/>
               <a:t>Data driven strategy with ELK</a:t>
             </a:r>
           </a:p>
@@ -3024,14 +3116,14 @@
               </a:lnSpc>
             </a:pPr>
             <a:r>
-              <a:rPr lang="en-US" sz="2400" dirty="0" smtClean="0"/>
+              <a:rPr lang="en-US" sz="2800" dirty="0" smtClean="0"/>
               <a:t>Contract driven development with </a:t>
             </a:r>
             <a:r>
-              <a:rPr lang="en-US" sz="2400" dirty="0" err="1" smtClean="0"/>
+              <a:rPr lang="en-US" sz="2800" dirty="0" err="1" smtClean="0"/>
               <a:t>GraphQL</a:t>
             </a:r>
-            <a:endParaRPr lang="en-US" sz="2400" dirty="0" smtClean="0"/>
+            <a:endParaRPr lang="en-US" sz="2800" dirty="0" smtClean="0"/>
           </a:p>
           <a:p>
             <a:pPr>
@@ -3040,7 +3132,7 @@
               </a:lnSpc>
             </a:pPr>
             <a:r>
-              <a:rPr lang="en-US" sz="2400" dirty="0" smtClean="0"/>
+              <a:rPr lang="en-US" sz="2800" dirty="0" smtClean="0"/>
               <a:t>Support multiple APIs</a:t>
             </a:r>
           </a:p>
@@ -3051,7 +3143,7 @@
               </a:lnSpc>
             </a:pPr>
             <a:r>
-              <a:rPr lang="en-US" sz="2400" dirty="0" smtClean="0"/>
+              <a:rPr lang="en-US" sz="2800" dirty="0" smtClean="0"/>
               <a:t>Reduce boilerplate code</a:t>
             </a:r>
           </a:p>
@@ -3197,10 +3289,22 @@
           </a:p>
           <a:p>
             <a:r>
-              <a:rPr lang="en-US" dirty="0">
+              <a:rPr lang="en-US" dirty="0" smtClean="0">
                 <a:hlinkClick r:id="rId3"/>
               </a:rPr>
-              <a:t>http://85.214.44.228:8082/swagger-ui.html#/</a:t>
+              <a:t>swagger-</a:t>
+            </a:r>
+            <a:r>
+              <a:rPr lang="en-US" dirty="0" err="1" smtClean="0">
+                <a:hlinkClick r:id="rId3"/>
+              </a:rPr>
+              <a:t>ui</a:t>
+            </a:r>
+            <a:r>
+              <a:rPr lang="en-US" dirty="0" smtClean="0">
+                <a:hlinkClick r:id="rId3"/>
+              </a:rPr>
+              <a:t> link</a:t>
             </a:r>
             <a:endParaRPr lang="en-US" dirty="0"/>
           </a:p>
@@ -3952,19 +4056,7 @@
           <a:p>
             <a:r>
               <a:rPr lang="en-US" dirty="0" smtClean="0"/>
-              <a:t>How many exercises </a:t>
-            </a:r>
-            <a:r>
-              <a:rPr lang="en-US" dirty="0" smtClean="0"/>
-              <a:t>have </a:t>
-            </a:r>
-            <a:r>
-              <a:rPr lang="en-US" dirty="0" smtClean="0"/>
-              <a:t>to </a:t>
-            </a:r>
-            <a:r>
-              <a:rPr lang="en-US" dirty="0" smtClean="0"/>
-              <a:t>be finished?</a:t>
+              <a:t>How many exercises have to be finished?</a:t>
             </a:r>
             <a:endParaRPr lang="en-US" dirty="0"/>
           </a:p>
@@ -4008,7 +4100,6 @@
               <a:rPr lang="en-US" sz="2000" dirty="0"/>
               <a:t>Your team decision</a:t>
             </a:r>
-            <a:endParaRPr lang="en-US" sz="2000" dirty="0"/>
           </a:p>
         </p:txBody>
       </p:sp>
